--- a/courses/5525_slides/pcfg.pptx
+++ b/courses/5525_slides/pcfg.pptx
@@ -5,46 +5,43 @@
     <p:sldMasterId id="2147483648" r:id="rId1"/>
   </p:sldMasterIdLst>
   <p:notesMasterIdLst>
-    <p:notesMasterId r:id="rId39"/>
+    <p:notesMasterId r:id="rId36"/>
   </p:notesMasterIdLst>
   <p:sldIdLst>
     <p:sldId id="267" r:id="rId2"/>
     <p:sldId id="268" r:id="rId3"/>
-    <p:sldId id="269" r:id="rId4"/>
-    <p:sldId id="270" r:id="rId5"/>
-    <p:sldId id="271" r:id="rId6"/>
-    <p:sldId id="272" r:id="rId7"/>
-    <p:sldId id="273" r:id="rId8"/>
-    <p:sldId id="274" r:id="rId9"/>
-    <p:sldId id="275" r:id="rId10"/>
-    <p:sldId id="276" r:id="rId11"/>
-    <p:sldId id="277" r:id="rId12"/>
-    <p:sldId id="278" r:id="rId13"/>
-    <p:sldId id="279" r:id="rId14"/>
-    <p:sldId id="280" r:id="rId15"/>
-    <p:sldId id="281" r:id="rId16"/>
-    <p:sldId id="282" r:id="rId17"/>
-    <p:sldId id="283" r:id="rId18"/>
-    <p:sldId id="284" r:id="rId19"/>
-    <p:sldId id="285" r:id="rId20"/>
-    <p:sldId id="286" r:id="rId21"/>
+    <p:sldId id="305" r:id="rId4"/>
+    <p:sldId id="269" r:id="rId5"/>
+    <p:sldId id="270" r:id="rId6"/>
+    <p:sldId id="271" r:id="rId7"/>
+    <p:sldId id="272" r:id="rId8"/>
+    <p:sldId id="273" r:id="rId9"/>
+    <p:sldId id="274" r:id="rId10"/>
+    <p:sldId id="275" r:id="rId11"/>
+    <p:sldId id="276" r:id="rId12"/>
+    <p:sldId id="277" r:id="rId13"/>
+    <p:sldId id="278" r:id="rId14"/>
+    <p:sldId id="279" r:id="rId15"/>
+    <p:sldId id="280" r:id="rId16"/>
+    <p:sldId id="281" r:id="rId17"/>
+    <p:sldId id="282" r:id="rId18"/>
+    <p:sldId id="283" r:id="rId19"/>
+    <p:sldId id="284" r:id="rId20"/>
+    <p:sldId id="285" r:id="rId21"/>
     <p:sldId id="287" r:id="rId22"/>
     <p:sldId id="288" r:id="rId23"/>
     <p:sldId id="289" r:id="rId24"/>
-    <p:sldId id="290" r:id="rId25"/>
-    <p:sldId id="291" r:id="rId26"/>
-    <p:sldId id="294" r:id="rId27"/>
-    <p:sldId id="292" r:id="rId28"/>
-    <p:sldId id="295" r:id="rId29"/>
-    <p:sldId id="296" r:id="rId30"/>
-    <p:sldId id="297" r:id="rId31"/>
-    <p:sldId id="298" r:id="rId32"/>
-    <p:sldId id="299" r:id="rId33"/>
-    <p:sldId id="300" r:id="rId34"/>
-    <p:sldId id="301" r:id="rId35"/>
-    <p:sldId id="302" r:id="rId36"/>
-    <p:sldId id="303" r:id="rId37"/>
-    <p:sldId id="304" r:id="rId38"/>
+    <p:sldId id="291" r:id="rId25"/>
+    <p:sldId id="294" r:id="rId26"/>
+    <p:sldId id="292" r:id="rId27"/>
+    <p:sldId id="297" r:id="rId28"/>
+    <p:sldId id="306" r:id="rId29"/>
+    <p:sldId id="298" r:id="rId30"/>
+    <p:sldId id="300" r:id="rId31"/>
+    <p:sldId id="301" r:id="rId32"/>
+    <p:sldId id="302" r:id="rId33"/>
+    <p:sldId id="303" r:id="rId34"/>
+    <p:sldId id="304" r:id="rId35"/>
   </p:sldIdLst>
   <p:sldSz cx="12192000" cy="6858000"/>
   <p:notesSz cx="6858000" cy="9144000"/>
@@ -3487,7 +3484,7 @@
     </p:spTree>
     <p:extLst>
       <p:ext uri="{BB962C8B-B14F-4D97-AF65-F5344CB8AC3E}">
-        <p14:creationId xmlns:p14="http://schemas.microsoft.com/office/powerpoint/2010/main" val="1912085240"/>
+        <p14:creationId xmlns:p14="http://schemas.microsoft.com/office/powerpoint/2010/main" val="2062788281"/>
       </p:ext>
     </p:extLst>
   </p:cSld>
@@ -3554,7 +3551,7 @@
     </p:spTree>
     <p:extLst>
       <p:ext uri="{BB962C8B-B14F-4D97-AF65-F5344CB8AC3E}">
-        <p14:creationId xmlns:p14="http://schemas.microsoft.com/office/powerpoint/2010/main" val="452679199"/>
+        <p14:creationId xmlns:p14="http://schemas.microsoft.com/office/powerpoint/2010/main" val="1912085240"/>
       </p:ext>
     </p:extLst>
   </p:cSld>
@@ -3621,7 +3618,7 @@
     </p:spTree>
     <p:extLst>
       <p:ext uri="{BB962C8B-B14F-4D97-AF65-F5344CB8AC3E}">
-        <p14:creationId xmlns:p14="http://schemas.microsoft.com/office/powerpoint/2010/main" val="1234545811"/>
+        <p14:creationId xmlns:p14="http://schemas.microsoft.com/office/powerpoint/2010/main" val="452679199"/>
       </p:ext>
     </p:extLst>
   </p:cSld>
@@ -3677,8 +3674,8 @@
         </p:blipFill>
         <p:spPr>
           <a:xfrm>
-            <a:off x="0" y="-1"/>
-            <a:ext cx="12209932" cy="6858001"/>
+            <a:off x="0" y="0"/>
+            <a:ext cx="12192000" cy="6847930"/>
           </a:xfrm>
           <a:prstGeom prst="rect">
             <a:avLst/>
@@ -3688,7 +3685,7 @@
     </p:spTree>
     <p:extLst>
       <p:ext uri="{BB962C8B-B14F-4D97-AF65-F5344CB8AC3E}">
-        <p14:creationId xmlns:p14="http://schemas.microsoft.com/office/powerpoint/2010/main" val="730898964"/>
+        <p14:creationId xmlns:p14="http://schemas.microsoft.com/office/powerpoint/2010/main" val="1234545811"/>
       </p:ext>
     </p:extLst>
   </p:cSld>
@@ -3744,8 +3741,8 @@
         </p:blipFill>
         <p:spPr>
           <a:xfrm>
-            <a:off x="0" y="0"/>
-            <a:ext cx="12192000" cy="6847930"/>
+            <a:off x="0" y="-1"/>
+            <a:ext cx="12209932" cy="6858001"/>
           </a:xfrm>
           <a:prstGeom prst="rect">
             <a:avLst/>
@@ -3755,7 +3752,7 @@
     </p:spTree>
     <p:extLst>
       <p:ext uri="{BB962C8B-B14F-4D97-AF65-F5344CB8AC3E}">
-        <p14:creationId xmlns:p14="http://schemas.microsoft.com/office/powerpoint/2010/main" val="173284085"/>
+        <p14:creationId xmlns:p14="http://schemas.microsoft.com/office/powerpoint/2010/main" val="730898964"/>
       </p:ext>
     </p:extLst>
   </p:cSld>
@@ -3822,7 +3819,7 @@
     </p:spTree>
     <p:extLst>
       <p:ext uri="{BB962C8B-B14F-4D97-AF65-F5344CB8AC3E}">
-        <p14:creationId xmlns:p14="http://schemas.microsoft.com/office/powerpoint/2010/main" val="561164130"/>
+        <p14:creationId xmlns:p14="http://schemas.microsoft.com/office/powerpoint/2010/main" val="173284085"/>
       </p:ext>
     </p:extLst>
   </p:cSld>
@@ -3889,7 +3886,7 @@
     </p:spTree>
     <p:extLst>
       <p:ext uri="{BB962C8B-B14F-4D97-AF65-F5344CB8AC3E}">
-        <p14:creationId xmlns:p14="http://schemas.microsoft.com/office/powerpoint/2010/main" val="956670034"/>
+        <p14:creationId xmlns:p14="http://schemas.microsoft.com/office/powerpoint/2010/main" val="561164130"/>
       </p:ext>
     </p:extLst>
   </p:cSld>
@@ -3956,7 +3953,7 @@
     </p:spTree>
     <p:extLst>
       <p:ext uri="{BB962C8B-B14F-4D97-AF65-F5344CB8AC3E}">
-        <p14:creationId xmlns:p14="http://schemas.microsoft.com/office/powerpoint/2010/main" val="548054246"/>
+        <p14:creationId xmlns:p14="http://schemas.microsoft.com/office/powerpoint/2010/main" val="956670034"/>
       </p:ext>
     </p:extLst>
   </p:cSld>
@@ -4023,7 +4020,7 @@
     </p:spTree>
     <p:extLst>
       <p:ext uri="{BB962C8B-B14F-4D97-AF65-F5344CB8AC3E}">
-        <p14:creationId xmlns:p14="http://schemas.microsoft.com/office/powerpoint/2010/main" val="647059833"/>
+        <p14:creationId xmlns:p14="http://schemas.microsoft.com/office/powerpoint/2010/main" val="548054246"/>
       </p:ext>
     </p:extLst>
   </p:cSld>
@@ -4090,7 +4087,7 @@
     </p:spTree>
     <p:extLst>
       <p:ext uri="{BB962C8B-B14F-4D97-AF65-F5344CB8AC3E}">
-        <p14:creationId xmlns:p14="http://schemas.microsoft.com/office/powerpoint/2010/main" val="492002524"/>
+        <p14:creationId xmlns:p14="http://schemas.microsoft.com/office/powerpoint/2010/main" val="647059833"/>
       </p:ext>
     </p:extLst>
   </p:cSld>
@@ -4126,28 +4123,22 @@
       </p:grpSpPr>
       <p:pic>
         <p:nvPicPr>
-          <p:cNvPr id="4" name="Picture 3"/>
+          <p:cNvPr id="5" name="Picture 4"/>
           <p:cNvPicPr>
             <a:picLocks noChangeAspect="1"/>
           </p:cNvPicPr>
           <p:nvPr/>
         </p:nvPicPr>
         <p:blipFill>
-          <a:blip r:embed="rId2">
-            <a:extLst>
-              <a:ext uri="{28A0092B-C50C-407E-A947-70E740481C1C}">
-                <a14:useLocalDpi xmlns:a14="http://schemas.microsoft.com/office/drawing/2010/main" val="0"/>
-              </a:ext>
-            </a:extLst>
-          </a:blip>
+          <a:blip r:embed="rId2"/>
           <a:stretch>
             <a:fillRect/>
           </a:stretch>
         </p:blipFill>
         <p:spPr>
           <a:xfrm>
-            <a:off x="0" y="0"/>
-            <a:ext cx="12192000" cy="6847930"/>
+            <a:off x="511628" y="46412"/>
+            <a:ext cx="10983686" cy="6811588"/>
           </a:xfrm>
           <a:prstGeom prst="rect">
             <a:avLst/>
@@ -4224,7 +4215,7 @@
     </p:spTree>
     <p:extLst>
       <p:ext uri="{BB962C8B-B14F-4D97-AF65-F5344CB8AC3E}">
-        <p14:creationId xmlns:p14="http://schemas.microsoft.com/office/powerpoint/2010/main" val="1648870295"/>
+        <p14:creationId xmlns:p14="http://schemas.microsoft.com/office/powerpoint/2010/main" val="492002524"/>
       </p:ext>
     </p:extLst>
   </p:cSld>
@@ -4492,7 +4483,7 @@
     </p:spTree>
     <p:extLst>
       <p:ext uri="{BB962C8B-B14F-4D97-AF65-F5344CB8AC3E}">
-        <p14:creationId xmlns:p14="http://schemas.microsoft.com/office/powerpoint/2010/main" val="1971687413"/>
+        <p14:creationId xmlns:p14="http://schemas.microsoft.com/office/powerpoint/2010/main" val="2033771418"/>
       </p:ext>
     </p:extLst>
   </p:cSld>
@@ -4510,6 +4501,140 @@
 </file>
 
 <file path=ppt/slides/slide25.xml><?xml version="1.0" encoding="utf-8"?>
+<p:sld xmlns:a="http://schemas.openxmlformats.org/drawingml/2006/main" xmlns:r="http://schemas.openxmlformats.org/officeDocument/2006/relationships" xmlns:p="http://schemas.openxmlformats.org/presentationml/2006/main">
+  <p:cSld>
+    <p:spTree>
+      <p:nvGrpSpPr>
+        <p:cNvPr id="1" name=""/>
+        <p:cNvGrpSpPr/>
+        <p:nvPr/>
+      </p:nvGrpSpPr>
+      <p:grpSpPr>
+        <a:xfrm>
+          <a:off x="0" y="0"/>
+          <a:ext cx="0" cy="0"/>
+          <a:chOff x="0" y="0"/>
+          <a:chExt cx="0" cy="0"/>
+        </a:xfrm>
+      </p:grpSpPr>
+      <p:sp>
+        <p:nvSpPr>
+          <p:cNvPr id="3" name="TextBox 2"/>
+          <p:cNvSpPr txBox="1"/>
+          <p:nvPr/>
+        </p:nvSpPr>
+        <p:spPr>
+          <a:xfrm>
+            <a:off x="4057650" y="2886075"/>
+            <a:ext cx="3982309" cy="646331"/>
+          </a:xfrm>
+          <a:prstGeom prst="rect">
+            <a:avLst/>
+          </a:prstGeom>
+          <a:noFill/>
+        </p:spPr>
+        <p:txBody>
+          <a:bodyPr wrap="none" rtlCol="0">
+            <a:spAutoFit/>
+          </a:bodyPr>
+          <a:lstStyle/>
+          <a:p>
+            <a:r>
+              <a:rPr lang="en-US" sz="3600" dirty="0" smtClean="0"/>
+              <a:t>Dependency Parsing</a:t>
+            </a:r>
+            <a:endParaRPr lang="en-US" sz="3600" dirty="0"/>
+          </a:p>
+        </p:txBody>
+      </p:sp>
+    </p:spTree>
+    <p:extLst>
+      <p:ext uri="{BB962C8B-B14F-4D97-AF65-F5344CB8AC3E}">
+        <p14:creationId xmlns:p14="http://schemas.microsoft.com/office/powerpoint/2010/main" val="831094240"/>
+      </p:ext>
+    </p:extLst>
+  </p:cSld>
+  <p:clrMapOvr>
+    <a:masterClrMapping/>
+  </p:clrMapOvr>
+  <p:timing>
+    <p:tnLst>
+      <p:par>
+        <p:cTn id="1" dur="indefinite" restart="never" nodeType="tmRoot"/>
+      </p:par>
+    </p:tnLst>
+  </p:timing>
+</p:sld>
+</file>
+
+<file path=ppt/slides/slide26.xml><?xml version="1.0" encoding="utf-8"?>
+<p:sld xmlns:a="http://schemas.openxmlformats.org/drawingml/2006/main" xmlns:r="http://schemas.openxmlformats.org/officeDocument/2006/relationships" xmlns:p="http://schemas.openxmlformats.org/presentationml/2006/main">
+  <p:cSld>
+    <p:spTree>
+      <p:nvGrpSpPr>
+        <p:cNvPr id="1" name=""/>
+        <p:cNvGrpSpPr/>
+        <p:nvPr/>
+      </p:nvGrpSpPr>
+      <p:grpSpPr>
+        <a:xfrm>
+          <a:off x="0" y="0"/>
+          <a:ext cx="0" cy="0"/>
+          <a:chOff x="0" y="0"/>
+          <a:chExt cx="0" cy="0"/>
+        </a:xfrm>
+      </p:grpSpPr>
+      <p:pic>
+        <p:nvPicPr>
+          <p:cNvPr id="3" name="Picture 2"/>
+          <p:cNvPicPr>
+            <a:picLocks noChangeAspect="1"/>
+          </p:cNvPicPr>
+          <p:nvPr/>
+        </p:nvPicPr>
+        <p:blipFill>
+          <a:blip r:embed="rId2">
+            <a:extLst>
+              <a:ext uri="{28A0092B-C50C-407E-A947-70E740481C1C}">
+                <a14:useLocalDpi xmlns:a14="http://schemas.microsoft.com/office/drawing/2010/main" val="0"/>
+              </a:ext>
+            </a:extLst>
+          </a:blip>
+          <a:stretch>
+            <a:fillRect/>
+          </a:stretch>
+        </p:blipFill>
+        <p:spPr>
+          <a:xfrm>
+            <a:off x="0" y="0"/>
+            <a:ext cx="12192000" cy="6847930"/>
+          </a:xfrm>
+          <a:prstGeom prst="rect">
+            <a:avLst/>
+          </a:prstGeom>
+        </p:spPr>
+      </p:pic>
+    </p:spTree>
+    <p:extLst>
+      <p:ext uri="{BB962C8B-B14F-4D97-AF65-F5344CB8AC3E}">
+        <p14:creationId xmlns:p14="http://schemas.microsoft.com/office/powerpoint/2010/main" val="1623874511"/>
+      </p:ext>
+    </p:extLst>
+  </p:cSld>
+  <p:clrMapOvr>
+    <a:masterClrMapping/>
+  </p:clrMapOvr>
+  <p:timing>
+    <p:tnLst>
+      <p:par>
+        <p:cTn id="1" dur="indefinite" restart="never" nodeType="tmRoot"/>
+      </p:par>
+    </p:tnLst>
+  </p:timing>
+</p:sld>
+</file>
+
+<file path=ppt/slides/slide27.xml><?xml version="1.0" encoding="utf-8"?>
 <p:sld xmlns:a="http://schemas.openxmlformats.org/drawingml/2006/main" xmlns:r="http://schemas.openxmlformats.org/officeDocument/2006/relationships" xmlns:p="http://schemas.openxmlformats.org/presentationml/2006/main">
   <p:cSld>
     <p:spTree>
@@ -4559,141 +4684,7 @@
     </p:spTree>
     <p:extLst>
       <p:ext uri="{BB962C8B-B14F-4D97-AF65-F5344CB8AC3E}">
-        <p14:creationId xmlns:p14="http://schemas.microsoft.com/office/powerpoint/2010/main" val="2033771418"/>
-      </p:ext>
-    </p:extLst>
-  </p:cSld>
-  <p:clrMapOvr>
-    <a:masterClrMapping/>
-  </p:clrMapOvr>
-  <p:timing>
-    <p:tnLst>
-      <p:par>
-        <p:cTn id="1" dur="indefinite" restart="never" nodeType="tmRoot"/>
-      </p:par>
-    </p:tnLst>
-  </p:timing>
-</p:sld>
-</file>
-
-<file path=ppt/slides/slide26.xml><?xml version="1.0" encoding="utf-8"?>
-<p:sld xmlns:a="http://schemas.openxmlformats.org/drawingml/2006/main" xmlns:r="http://schemas.openxmlformats.org/officeDocument/2006/relationships" xmlns:p="http://schemas.openxmlformats.org/presentationml/2006/main">
-  <p:cSld>
-    <p:spTree>
-      <p:nvGrpSpPr>
-        <p:cNvPr id="1" name=""/>
-        <p:cNvGrpSpPr/>
-        <p:nvPr/>
-      </p:nvGrpSpPr>
-      <p:grpSpPr>
-        <a:xfrm>
-          <a:off x="0" y="0"/>
-          <a:ext cx="0" cy="0"/>
-          <a:chOff x="0" y="0"/>
-          <a:chExt cx="0" cy="0"/>
-        </a:xfrm>
-      </p:grpSpPr>
-      <p:sp>
-        <p:nvSpPr>
-          <p:cNvPr id="3" name="TextBox 2"/>
-          <p:cNvSpPr txBox="1"/>
-          <p:nvPr/>
-        </p:nvSpPr>
-        <p:spPr>
-          <a:xfrm>
-            <a:off x="4057650" y="2886075"/>
-            <a:ext cx="3982309" cy="646331"/>
-          </a:xfrm>
-          <a:prstGeom prst="rect">
-            <a:avLst/>
-          </a:prstGeom>
-          <a:noFill/>
-        </p:spPr>
-        <p:txBody>
-          <a:bodyPr wrap="none" rtlCol="0">
-            <a:spAutoFit/>
-          </a:bodyPr>
-          <a:lstStyle/>
-          <a:p>
-            <a:r>
-              <a:rPr lang="en-US" sz="3600" dirty="0" smtClean="0"/>
-              <a:t>Dependency Parsing</a:t>
-            </a:r>
-            <a:endParaRPr lang="en-US" sz="3600" dirty="0"/>
-          </a:p>
-        </p:txBody>
-      </p:sp>
-    </p:spTree>
-    <p:extLst>
-      <p:ext uri="{BB962C8B-B14F-4D97-AF65-F5344CB8AC3E}">
-        <p14:creationId xmlns:p14="http://schemas.microsoft.com/office/powerpoint/2010/main" val="831094240"/>
-      </p:ext>
-    </p:extLst>
-  </p:cSld>
-  <p:clrMapOvr>
-    <a:masterClrMapping/>
-  </p:clrMapOvr>
-  <p:timing>
-    <p:tnLst>
-      <p:par>
-        <p:cTn id="1" dur="indefinite" restart="never" nodeType="tmRoot"/>
-      </p:par>
-    </p:tnLst>
-  </p:timing>
-</p:sld>
-</file>
-
-<file path=ppt/slides/slide27.xml><?xml version="1.0" encoding="utf-8"?>
-<p:sld xmlns:a="http://schemas.openxmlformats.org/drawingml/2006/main" xmlns:r="http://schemas.openxmlformats.org/officeDocument/2006/relationships" xmlns:p="http://schemas.openxmlformats.org/presentationml/2006/main">
-  <p:cSld>
-    <p:spTree>
-      <p:nvGrpSpPr>
-        <p:cNvPr id="1" name=""/>
-        <p:cNvGrpSpPr/>
-        <p:nvPr/>
-      </p:nvGrpSpPr>
-      <p:grpSpPr>
-        <a:xfrm>
-          <a:off x="0" y="0"/>
-          <a:ext cx="0" cy="0"/>
-          <a:chOff x="0" y="0"/>
-          <a:chExt cx="0" cy="0"/>
-        </a:xfrm>
-      </p:grpSpPr>
-      <p:pic>
-        <p:nvPicPr>
-          <p:cNvPr id="3" name="Picture 2"/>
-          <p:cNvPicPr>
-            <a:picLocks noChangeAspect="1"/>
-          </p:cNvPicPr>
-          <p:nvPr/>
-        </p:nvPicPr>
-        <p:blipFill>
-          <a:blip r:embed="rId2">
-            <a:extLst>
-              <a:ext uri="{28A0092B-C50C-407E-A947-70E740481C1C}">
-                <a14:useLocalDpi xmlns:a14="http://schemas.microsoft.com/office/drawing/2010/main" val="0"/>
-              </a:ext>
-            </a:extLst>
-          </a:blip>
-          <a:stretch>
-            <a:fillRect/>
-          </a:stretch>
-        </p:blipFill>
-        <p:spPr>
-          <a:xfrm>
-            <a:off x="0" y="0"/>
-            <a:ext cx="12192000" cy="6847930"/>
-          </a:xfrm>
-          <a:prstGeom prst="rect">
-            <a:avLst/>
-          </a:prstGeom>
-        </p:spPr>
-      </p:pic>
-    </p:spTree>
-    <p:extLst>
-      <p:ext uri="{BB962C8B-B14F-4D97-AF65-F5344CB8AC3E}">
-        <p14:creationId xmlns:p14="http://schemas.microsoft.com/office/powerpoint/2010/main" val="1623874511"/>
+        <p14:creationId xmlns:p14="http://schemas.microsoft.com/office/powerpoint/2010/main" val="1702893950"/>
       </p:ext>
     </p:extLst>
   </p:cSld>
@@ -4760,7 +4751,7 @@
     </p:spTree>
     <p:extLst>
       <p:ext uri="{BB962C8B-B14F-4D97-AF65-F5344CB8AC3E}">
-        <p14:creationId xmlns:p14="http://schemas.microsoft.com/office/powerpoint/2010/main" val="406642609"/>
+        <p14:creationId xmlns:p14="http://schemas.microsoft.com/office/powerpoint/2010/main" val="126705388"/>
       </p:ext>
     </p:extLst>
   </p:cSld>
@@ -4827,7 +4818,7 @@
     </p:spTree>
     <p:extLst>
       <p:ext uri="{BB962C8B-B14F-4D97-AF65-F5344CB8AC3E}">
-        <p14:creationId xmlns:p14="http://schemas.microsoft.com/office/powerpoint/2010/main" val="565959880"/>
+        <p14:creationId xmlns:p14="http://schemas.microsoft.com/office/powerpoint/2010/main" val="1024054081"/>
       </p:ext>
     </p:extLst>
   </p:cSld>
@@ -4863,7 +4854,7 @@
       </p:grpSpPr>
       <p:pic>
         <p:nvPicPr>
-          <p:cNvPr id="2" name="Picture 1"/>
+          <p:cNvPr id="4" name="Picture 3"/>
           <p:cNvPicPr>
             <a:picLocks noChangeAspect="1"/>
           </p:cNvPicPr>
@@ -4894,7 +4885,7 @@
     </p:spTree>
     <p:extLst>
       <p:ext uri="{BB962C8B-B14F-4D97-AF65-F5344CB8AC3E}">
-        <p14:creationId xmlns:p14="http://schemas.microsoft.com/office/powerpoint/2010/main" val="1140371944"/>
+        <p14:creationId xmlns:p14="http://schemas.microsoft.com/office/powerpoint/2010/main" val="777502348"/>
       </p:ext>
     </p:extLst>
   </p:cSld>
@@ -4961,7 +4952,7 @@
     </p:spTree>
     <p:extLst>
       <p:ext uri="{BB962C8B-B14F-4D97-AF65-F5344CB8AC3E}">
-        <p14:creationId xmlns:p14="http://schemas.microsoft.com/office/powerpoint/2010/main" val="1702893950"/>
+        <p14:creationId xmlns:p14="http://schemas.microsoft.com/office/powerpoint/2010/main" val="1877824032"/>
       </p:ext>
     </p:extLst>
   </p:cSld>
@@ -4997,7 +4988,7 @@
       </p:grpSpPr>
       <p:pic>
         <p:nvPicPr>
-          <p:cNvPr id="2" name="Picture 1"/>
+          <p:cNvPr id="3" name="Picture 2"/>
           <p:cNvPicPr>
             <a:picLocks noChangeAspect="1"/>
           </p:cNvPicPr>
@@ -5028,7 +5019,7 @@
     </p:spTree>
     <p:extLst>
       <p:ext uri="{BB962C8B-B14F-4D97-AF65-F5344CB8AC3E}">
-        <p14:creationId xmlns:p14="http://schemas.microsoft.com/office/powerpoint/2010/main" val="1024054081"/>
+        <p14:creationId xmlns:p14="http://schemas.microsoft.com/office/powerpoint/2010/main" val="1779821100"/>
       </p:ext>
     </p:extLst>
   </p:cSld>
@@ -5095,7 +5086,7 @@
     </p:spTree>
     <p:extLst>
       <p:ext uri="{BB962C8B-B14F-4D97-AF65-F5344CB8AC3E}">
-        <p14:creationId xmlns:p14="http://schemas.microsoft.com/office/powerpoint/2010/main" val="1190571980"/>
+        <p14:creationId xmlns:p14="http://schemas.microsoft.com/office/powerpoint/2010/main" val="1245421400"/>
       </p:ext>
     </p:extLst>
   </p:cSld>
@@ -5113,73 +5104,6 @@
 </file>
 
 <file path=ppt/slides/slide33.xml><?xml version="1.0" encoding="utf-8"?>
-<p:sld xmlns:a="http://schemas.openxmlformats.org/drawingml/2006/main" xmlns:r="http://schemas.openxmlformats.org/officeDocument/2006/relationships" xmlns:p="http://schemas.openxmlformats.org/presentationml/2006/main">
-  <p:cSld>
-    <p:spTree>
-      <p:nvGrpSpPr>
-        <p:cNvPr id="1" name=""/>
-        <p:cNvGrpSpPr/>
-        <p:nvPr/>
-      </p:nvGrpSpPr>
-      <p:grpSpPr>
-        <a:xfrm>
-          <a:off x="0" y="0"/>
-          <a:ext cx="0" cy="0"/>
-          <a:chOff x="0" y="0"/>
-          <a:chExt cx="0" cy="0"/>
-        </a:xfrm>
-      </p:grpSpPr>
-      <p:pic>
-        <p:nvPicPr>
-          <p:cNvPr id="2" name="Picture 1"/>
-          <p:cNvPicPr>
-            <a:picLocks noChangeAspect="1"/>
-          </p:cNvPicPr>
-          <p:nvPr/>
-        </p:nvPicPr>
-        <p:blipFill>
-          <a:blip r:embed="rId2">
-            <a:extLst>
-              <a:ext uri="{28A0092B-C50C-407E-A947-70E740481C1C}">
-                <a14:useLocalDpi xmlns:a14="http://schemas.microsoft.com/office/drawing/2010/main" val="0"/>
-              </a:ext>
-            </a:extLst>
-          </a:blip>
-          <a:stretch>
-            <a:fillRect/>
-          </a:stretch>
-        </p:blipFill>
-        <p:spPr>
-          <a:xfrm>
-            <a:off x="0" y="0"/>
-            <a:ext cx="12192000" cy="6847930"/>
-          </a:xfrm>
-          <a:prstGeom prst="rect">
-            <a:avLst/>
-          </a:prstGeom>
-        </p:spPr>
-      </p:pic>
-    </p:spTree>
-    <p:extLst>
-      <p:ext uri="{BB962C8B-B14F-4D97-AF65-F5344CB8AC3E}">
-        <p14:creationId xmlns:p14="http://schemas.microsoft.com/office/powerpoint/2010/main" val="1877824032"/>
-      </p:ext>
-    </p:extLst>
-  </p:cSld>
-  <p:clrMapOvr>
-    <a:masterClrMapping/>
-  </p:clrMapOvr>
-  <p:timing>
-    <p:tnLst>
-      <p:par>
-        <p:cTn id="1" dur="indefinite" restart="never" nodeType="tmRoot"/>
-      </p:par>
-    </p:tnLst>
-  </p:timing>
-</p:sld>
-</file>
-
-<file path=ppt/slides/slide34.xml><?xml version="1.0" encoding="utf-8"?>
 <p:sld xmlns:a="http://schemas.openxmlformats.org/drawingml/2006/main" xmlns:r="http://schemas.openxmlformats.org/officeDocument/2006/relationships" xmlns:p="http://schemas.openxmlformats.org/presentationml/2006/main">
   <p:cSld>
     <p:spTree>
@@ -5218,140 +5142,6 @@
         </p:blipFill>
         <p:spPr>
           <a:xfrm>
-            <a:off x="0" y="0"/>
-            <a:ext cx="12192000" cy="6847930"/>
-          </a:xfrm>
-          <a:prstGeom prst="rect">
-            <a:avLst/>
-          </a:prstGeom>
-        </p:spPr>
-      </p:pic>
-    </p:spTree>
-    <p:extLst>
-      <p:ext uri="{BB962C8B-B14F-4D97-AF65-F5344CB8AC3E}">
-        <p14:creationId xmlns:p14="http://schemas.microsoft.com/office/powerpoint/2010/main" val="1779821100"/>
-      </p:ext>
-    </p:extLst>
-  </p:cSld>
-  <p:clrMapOvr>
-    <a:masterClrMapping/>
-  </p:clrMapOvr>
-  <p:timing>
-    <p:tnLst>
-      <p:par>
-        <p:cTn id="1" dur="indefinite" restart="never" nodeType="tmRoot"/>
-      </p:par>
-    </p:tnLst>
-  </p:timing>
-</p:sld>
-</file>
-
-<file path=ppt/slides/slide35.xml><?xml version="1.0" encoding="utf-8"?>
-<p:sld xmlns:a="http://schemas.openxmlformats.org/drawingml/2006/main" xmlns:r="http://schemas.openxmlformats.org/officeDocument/2006/relationships" xmlns:p="http://schemas.openxmlformats.org/presentationml/2006/main">
-  <p:cSld>
-    <p:spTree>
-      <p:nvGrpSpPr>
-        <p:cNvPr id="1" name=""/>
-        <p:cNvGrpSpPr/>
-        <p:nvPr/>
-      </p:nvGrpSpPr>
-      <p:grpSpPr>
-        <a:xfrm>
-          <a:off x="0" y="0"/>
-          <a:ext cx="0" cy="0"/>
-          <a:chOff x="0" y="0"/>
-          <a:chExt cx="0" cy="0"/>
-        </a:xfrm>
-      </p:grpSpPr>
-      <p:pic>
-        <p:nvPicPr>
-          <p:cNvPr id="2" name="Picture 1"/>
-          <p:cNvPicPr>
-            <a:picLocks noChangeAspect="1"/>
-          </p:cNvPicPr>
-          <p:nvPr/>
-        </p:nvPicPr>
-        <p:blipFill>
-          <a:blip r:embed="rId2">
-            <a:extLst>
-              <a:ext uri="{28A0092B-C50C-407E-A947-70E740481C1C}">
-                <a14:useLocalDpi xmlns:a14="http://schemas.microsoft.com/office/drawing/2010/main" val="0"/>
-              </a:ext>
-            </a:extLst>
-          </a:blip>
-          <a:stretch>
-            <a:fillRect/>
-          </a:stretch>
-        </p:blipFill>
-        <p:spPr>
-          <a:xfrm>
-            <a:off x="-1" y="0"/>
-            <a:ext cx="12209929" cy="6858000"/>
-          </a:xfrm>
-          <a:prstGeom prst="rect">
-            <a:avLst/>
-          </a:prstGeom>
-        </p:spPr>
-      </p:pic>
-    </p:spTree>
-    <p:extLst>
-      <p:ext uri="{BB962C8B-B14F-4D97-AF65-F5344CB8AC3E}">
-        <p14:creationId xmlns:p14="http://schemas.microsoft.com/office/powerpoint/2010/main" val="1245421400"/>
-      </p:ext>
-    </p:extLst>
-  </p:cSld>
-  <p:clrMapOvr>
-    <a:masterClrMapping/>
-  </p:clrMapOvr>
-  <p:timing>
-    <p:tnLst>
-      <p:par>
-        <p:cTn id="1" dur="indefinite" restart="never" nodeType="tmRoot"/>
-      </p:par>
-    </p:tnLst>
-  </p:timing>
-</p:sld>
-</file>
-
-<file path=ppt/slides/slide36.xml><?xml version="1.0" encoding="utf-8"?>
-<p:sld xmlns:a="http://schemas.openxmlformats.org/drawingml/2006/main" xmlns:r="http://schemas.openxmlformats.org/officeDocument/2006/relationships" xmlns:p="http://schemas.openxmlformats.org/presentationml/2006/main">
-  <p:cSld>
-    <p:spTree>
-      <p:nvGrpSpPr>
-        <p:cNvPr id="1" name=""/>
-        <p:cNvGrpSpPr/>
-        <p:nvPr/>
-      </p:nvGrpSpPr>
-      <p:grpSpPr>
-        <a:xfrm>
-          <a:off x="0" y="0"/>
-          <a:ext cx="0" cy="0"/>
-          <a:chOff x="0" y="0"/>
-          <a:chExt cx="0" cy="0"/>
-        </a:xfrm>
-      </p:grpSpPr>
-      <p:pic>
-        <p:nvPicPr>
-          <p:cNvPr id="3" name="Picture 2"/>
-          <p:cNvPicPr>
-            <a:picLocks noChangeAspect="1"/>
-          </p:cNvPicPr>
-          <p:nvPr/>
-        </p:nvPicPr>
-        <p:blipFill>
-          <a:blip r:embed="rId2">
-            <a:extLst>
-              <a:ext uri="{28A0092B-C50C-407E-A947-70E740481C1C}">
-                <a14:useLocalDpi xmlns:a14="http://schemas.microsoft.com/office/drawing/2010/main" val="0"/>
-              </a:ext>
-            </a:extLst>
-          </a:blip>
-          <a:stretch>
-            <a:fillRect/>
-          </a:stretch>
-        </p:blipFill>
-        <p:spPr>
-          <a:xfrm>
             <a:off x="-1" y="0"/>
             <a:ext cx="12209929" cy="6858000"/>
           </a:xfrm>
@@ -5380,7 +5170,7 @@
 </p:sld>
 </file>
 
-<file path=ppt/slides/slide37.xml><?xml version="1.0" encoding="utf-8"?>
+<file path=ppt/slides/slide34.xml><?xml version="1.0" encoding="utf-8"?>
 <p:sld xmlns:a="http://schemas.openxmlformats.org/drawingml/2006/main" xmlns:r="http://schemas.openxmlformats.org/officeDocument/2006/relationships" xmlns:p="http://schemas.openxmlformats.org/presentationml/2006/main">
   <p:cSld>
     <p:spTree>
@@ -5497,7 +5287,7 @@
     </p:spTree>
     <p:extLst>
       <p:ext uri="{BB962C8B-B14F-4D97-AF65-F5344CB8AC3E}">
-        <p14:creationId xmlns:p14="http://schemas.microsoft.com/office/powerpoint/2010/main" val="374269115"/>
+        <p14:creationId xmlns:p14="http://schemas.microsoft.com/office/powerpoint/2010/main" val="1140371944"/>
       </p:ext>
     </p:extLst>
   </p:cSld>
@@ -5564,7 +5354,7 @@
     </p:spTree>
     <p:extLst>
       <p:ext uri="{BB962C8B-B14F-4D97-AF65-F5344CB8AC3E}">
-        <p14:creationId xmlns:p14="http://schemas.microsoft.com/office/powerpoint/2010/main" val="361413742"/>
+        <p14:creationId xmlns:p14="http://schemas.microsoft.com/office/powerpoint/2010/main" val="374269115"/>
       </p:ext>
     </p:extLst>
   </p:cSld>
@@ -5631,7 +5421,7 @@
     </p:spTree>
     <p:extLst>
       <p:ext uri="{BB962C8B-B14F-4D97-AF65-F5344CB8AC3E}">
-        <p14:creationId xmlns:p14="http://schemas.microsoft.com/office/powerpoint/2010/main" val="2082248704"/>
+        <p14:creationId xmlns:p14="http://schemas.microsoft.com/office/powerpoint/2010/main" val="361413742"/>
       </p:ext>
     </p:extLst>
   </p:cSld>
@@ -5698,7 +5488,7 @@
     </p:spTree>
     <p:extLst>
       <p:ext uri="{BB962C8B-B14F-4D97-AF65-F5344CB8AC3E}">
-        <p14:creationId xmlns:p14="http://schemas.microsoft.com/office/powerpoint/2010/main" val="1907254260"/>
+        <p14:creationId xmlns:p14="http://schemas.microsoft.com/office/powerpoint/2010/main" val="2082248704"/>
       </p:ext>
     </p:extLst>
   </p:cSld>
@@ -5765,7 +5555,7 @@
     </p:spTree>
     <p:extLst>
       <p:ext uri="{BB962C8B-B14F-4D97-AF65-F5344CB8AC3E}">
-        <p14:creationId xmlns:p14="http://schemas.microsoft.com/office/powerpoint/2010/main" val="1690136858"/>
+        <p14:creationId xmlns:p14="http://schemas.microsoft.com/office/powerpoint/2010/main" val="1907254260"/>
       </p:ext>
     </p:extLst>
   </p:cSld>
@@ -5832,7 +5622,7 @@
     </p:spTree>
     <p:extLst>
       <p:ext uri="{BB962C8B-B14F-4D97-AF65-F5344CB8AC3E}">
-        <p14:creationId xmlns:p14="http://schemas.microsoft.com/office/powerpoint/2010/main" val="2062788281"/>
+        <p14:creationId xmlns:p14="http://schemas.microsoft.com/office/powerpoint/2010/main" val="1690136858"/>
       </p:ext>
     </p:extLst>
   </p:cSld>
